--- a/media/diagrams_source.pptx
+++ b/media/diagrams_source.pptx
@@ -4498,7 +4498,7 @@
         </p:nvSpPr>
         <p:spPr>
           <a:xfrm>
-            <a:off x="2071955" y="3961234"/>
+            <a:off x="2071955" y="3959106"/>
             <a:ext cx="700833" cy="369332"/>
           </a:xfrm>
           <a:prstGeom prst="rect">
@@ -4533,7 +4533,7 @@
         </p:nvSpPr>
         <p:spPr>
           <a:xfrm>
-            <a:off x="4098319" y="3977185"/>
+            <a:off x="4098319" y="3959106"/>
             <a:ext cx="697627" cy="369332"/>
           </a:xfrm>
           <a:prstGeom prst="rect">
@@ -4568,8 +4568,8 @@
         </p:nvSpPr>
         <p:spPr>
           <a:xfrm>
-            <a:off x="7294625" y="3980789"/>
-            <a:ext cx="791307" cy="369332"/>
+            <a:off x="7294625" y="3959106"/>
+            <a:ext cx="926857" cy="369332"/>
           </a:xfrm>
           <a:prstGeom prst="rect">
             <a:avLst/>
@@ -4583,10 +4583,9 @@
           <a:lstStyle/>
           <a:p>
             <a:r>
-              <a:rPr lang="it-IT" dirty="0" err="1"/>
-              <a:t>Onsite</a:t>
-            </a:r>
-            <a:endParaRPr lang="it-IT" dirty="0"/>
+              <a:rPr lang="it-IT" dirty="0"/>
+              <a:t>ON SITE</a:t>
+            </a:r>
           </a:p>
         </p:txBody>
       </p:sp>
@@ -4652,7 +4651,7 @@
         <p:spPr>
           <a:xfrm>
             <a:off x="10061699" y="3959106"/>
-            <a:ext cx="726481" cy="369332"/>
+            <a:ext cx="843244" cy="369332"/>
           </a:xfrm>
           <a:prstGeom prst="rect">
             <a:avLst/>
@@ -4667,7 +4666,7 @@
           <a:p>
             <a:r>
               <a:rPr lang="it-IT" dirty="0"/>
-              <a:t>Cloud</a:t>
+              <a:t>CLOUD</a:t>
             </a:r>
           </a:p>
         </p:txBody>
@@ -4985,7 +4984,7 @@
         </p:nvSpPr>
         <p:spPr>
           <a:xfrm>
-            <a:off x="7155402" y="1947174"/>
+            <a:off x="6371676" y="1835448"/>
             <a:ext cx="2175030" cy="2308324"/>
           </a:xfrm>
           <a:prstGeom prst="rect">
@@ -5087,8 +5086,8 @@
         </p:nvSpPr>
         <p:spPr>
           <a:xfrm>
-            <a:off x="9106546" y="1980577"/>
-            <a:ext cx="1811137" cy="1477328"/>
+            <a:off x="8465703" y="1875024"/>
+            <a:ext cx="2901307" cy="1754326"/>
           </a:xfrm>
           <a:prstGeom prst="rect">
             <a:avLst/>
@@ -5109,7 +5108,13 @@
           <a:p>
             <a:r>
               <a:rPr lang="it-IT" dirty="0"/>
-              <a:t>Assets </a:t>
+              <a:t>Assets management</a:t>
+            </a:r>
+          </a:p>
+          <a:p>
+            <a:r>
+              <a:rPr lang="it-IT" dirty="0"/>
+              <a:t>User </a:t>
             </a:r>
             <a:r>
               <a:rPr lang="it-IT" dirty="0" err="1"/>
@@ -5119,12 +5124,24 @@
           </a:p>
           <a:p>
             <a:r>
+              <a:rPr lang="it-IT" dirty="0" err="1"/>
+              <a:t>Role</a:t>
+            </a:r>
+            <a:r>
               <a:rPr lang="it-IT" dirty="0"/>
-              <a:t>User </a:t>
+              <a:t>/</a:t>
             </a:r>
             <a:r>
               <a:rPr lang="it-IT" dirty="0" err="1"/>
-              <a:t>registry</a:t>
+              <a:t>permission</a:t>
+            </a:r>
+            <a:r>
+              <a:rPr lang="it-IT" dirty="0"/>
+              <a:t> </a:t>
+            </a:r>
+            <a:r>
+              <a:rPr lang="it-IT" dirty="0" err="1"/>
+              <a:t>managment</a:t>
             </a:r>
             <a:endParaRPr lang="it-IT" dirty="0"/>
           </a:p>
@@ -5158,8 +5175,8 @@
         </p:nvSpPr>
         <p:spPr>
           <a:xfrm>
-            <a:off x="6465298" y="1813435"/>
-            <a:ext cx="4962617" cy="1793902"/>
+            <a:off x="6142650" y="1800686"/>
+            <a:ext cx="5342003" cy="1793902"/>
           </a:xfrm>
           <a:prstGeom prst="rect">
             <a:avLst/>
